--- a/lecture-slides/2019-11-06-oop.pptx
+++ b/lecture-slides/2019-11-06-oop.pptx
@@ -218,7 +218,7 @@
           <a:p>
             <a:fld id="{A677DEB0-5AA4-49C7-B0AD-AD047A002C4C}" type="datetimeFigureOut">
               <a:rPr lang="en-US" smtClean="0"/>
-              <a:t>11/6/19</a:t>
+              <a:t>11/6/2019</a:t>
             </a:fld>
             <a:endParaRPr lang="en-US"/>
           </a:p>
@@ -884,7 +884,7 @@
           <a:p>
             <a:fld id="{1B52E0E1-344B-4E26-B5AD-CE86AB802485}" type="datetimeFigureOut">
               <a:rPr lang="en-US" smtClean="0"/>
-              <a:t>11/6/19</a:t>
+              <a:t>11/6/2019</a:t>
             </a:fld>
             <a:endParaRPr lang="en-US"/>
           </a:p>
@@ -1082,7 +1082,7 @@
           <a:p>
             <a:fld id="{1B52E0E1-344B-4E26-B5AD-CE86AB802485}" type="datetimeFigureOut">
               <a:rPr lang="en-US" smtClean="0"/>
-              <a:t>11/6/19</a:t>
+              <a:t>11/6/2019</a:t>
             </a:fld>
             <a:endParaRPr lang="en-US"/>
           </a:p>
@@ -1290,7 +1290,7 @@
           <a:p>
             <a:fld id="{1B52E0E1-344B-4E26-B5AD-CE86AB802485}" type="datetimeFigureOut">
               <a:rPr lang="en-US" smtClean="0"/>
-              <a:t>11/6/19</a:t>
+              <a:t>11/6/2019</a:t>
             </a:fld>
             <a:endParaRPr lang="en-US"/>
           </a:p>
@@ -1488,7 +1488,7 @@
           <a:p>
             <a:fld id="{1B52E0E1-344B-4E26-B5AD-CE86AB802485}" type="datetimeFigureOut">
               <a:rPr lang="en-US" smtClean="0"/>
-              <a:t>11/6/19</a:t>
+              <a:t>11/6/2019</a:t>
             </a:fld>
             <a:endParaRPr lang="en-US"/>
           </a:p>
@@ -1763,7 +1763,7 @@
           <a:p>
             <a:fld id="{1B52E0E1-344B-4E26-B5AD-CE86AB802485}" type="datetimeFigureOut">
               <a:rPr lang="en-US" smtClean="0"/>
-              <a:t>11/6/19</a:t>
+              <a:t>11/6/2019</a:t>
             </a:fld>
             <a:endParaRPr lang="en-US"/>
           </a:p>
@@ -2028,7 +2028,7 @@
           <a:p>
             <a:fld id="{1B52E0E1-344B-4E26-B5AD-CE86AB802485}" type="datetimeFigureOut">
               <a:rPr lang="en-US" smtClean="0"/>
-              <a:t>11/6/19</a:t>
+              <a:t>11/6/2019</a:t>
             </a:fld>
             <a:endParaRPr lang="en-US"/>
           </a:p>
@@ -2440,7 +2440,7 @@
           <a:p>
             <a:fld id="{1B52E0E1-344B-4E26-B5AD-CE86AB802485}" type="datetimeFigureOut">
               <a:rPr lang="en-US" smtClean="0"/>
-              <a:t>11/6/19</a:t>
+              <a:t>11/6/2019</a:t>
             </a:fld>
             <a:endParaRPr lang="en-US"/>
           </a:p>
@@ -2581,7 +2581,7 @@
           <a:p>
             <a:fld id="{1B52E0E1-344B-4E26-B5AD-CE86AB802485}" type="datetimeFigureOut">
               <a:rPr lang="en-US" smtClean="0"/>
-              <a:t>11/6/19</a:t>
+              <a:t>11/6/2019</a:t>
             </a:fld>
             <a:endParaRPr lang="en-US"/>
           </a:p>
@@ -2694,7 +2694,7 @@
           <a:p>
             <a:fld id="{1B52E0E1-344B-4E26-B5AD-CE86AB802485}" type="datetimeFigureOut">
               <a:rPr lang="en-US" smtClean="0"/>
-              <a:t>11/6/19</a:t>
+              <a:t>11/6/2019</a:t>
             </a:fld>
             <a:endParaRPr lang="en-US"/>
           </a:p>
@@ -3005,7 +3005,7 @@
           <a:p>
             <a:fld id="{1B52E0E1-344B-4E26-B5AD-CE86AB802485}" type="datetimeFigureOut">
               <a:rPr lang="en-US" smtClean="0"/>
-              <a:t>11/6/19</a:t>
+              <a:t>11/6/2019</a:t>
             </a:fld>
             <a:endParaRPr lang="en-US"/>
           </a:p>
@@ -3293,7 +3293,7 @@
           <a:p>
             <a:fld id="{1B52E0E1-344B-4E26-B5AD-CE86AB802485}" type="datetimeFigureOut">
               <a:rPr lang="en-US" smtClean="0"/>
-              <a:t>11/6/19</a:t>
+              <a:t>11/6/2019</a:t>
             </a:fld>
             <a:endParaRPr lang="en-US"/>
           </a:p>
@@ -3534,7 +3534,7 @@
           <a:p>
             <a:fld id="{1B52E0E1-344B-4E26-B5AD-CE86AB802485}" type="datetimeFigureOut">
               <a:rPr lang="en-US" smtClean="0"/>
-              <a:t>11/6/19</a:t>
+              <a:t>11/6/2019</a:t>
             </a:fld>
             <a:endParaRPr lang="en-US"/>
           </a:p>
@@ -4510,7 +4510,7 @@
           <a:graphicData uri="http://schemas.openxmlformats.org/presentationml/2006/ole">
             <mc:AlternateContent xmlns:mc="http://schemas.openxmlformats.org/markup-compatibility/2006">
               <mc:Choice xmlns:v="urn:schemas-microsoft-com:vml" Requires="v">
-                <p:oleObj spid="_x0000_s4112" name="Worksheet" r:id="rId3" imgW="7289800" imgH="6540500" progId="Excel.Sheet.12">
+                <p:oleObj spid="_x0000_s4113" name="Worksheet" r:id="rId3" imgW="7289800" imgH="6540500" progId="Excel.Sheet.12">
                   <p:embed/>
                 </p:oleObj>
               </mc:Choice>
@@ -5006,6 +5006,16 @@
             <a:r>
               <a:rPr lang="en-US" sz="2000" dirty="0"/>
               <a:t>Final Project Proposals</a:t>
+            </a:r>
+          </a:p>
+          <a:p>
+            <a:pPr marL="457200" indent="-457200">
+              <a:buFont typeface="+mj-lt"/>
+              <a:buAutoNum type="arabicPeriod"/>
+            </a:pPr>
+            <a:r>
+              <a:rPr lang="en-US" sz="2000" dirty="0"/>
+              <a:t>… and then SwissArmyKnife v2 as time allows</a:t>
             </a:r>
           </a:p>
           <a:p>

--- a/lecture-slides/2019-11-06-oop.pptx
+++ b/lecture-slides/2019-11-06-oop.pptx
@@ -4510,7 +4510,7 @@
           <a:graphicData uri="http://schemas.openxmlformats.org/presentationml/2006/ole">
             <mc:AlternateContent xmlns:mc="http://schemas.openxmlformats.org/markup-compatibility/2006">
               <mc:Choice xmlns:v="urn:schemas-microsoft-com:vml" Requires="v">
-                <p:oleObj spid="_x0000_s4113" name="Worksheet" r:id="rId3" imgW="7289800" imgH="6540500" progId="Excel.Sheet.12">
+                <p:oleObj spid="_x0000_s4115" name="Worksheet" r:id="rId3" imgW="7289800" imgH="6540500" progId="Excel.Sheet.12">
                   <p:embed/>
                 </p:oleObj>
               </mc:Choice>
@@ -4996,6 +4996,16 @@
             <a:r>
               <a:rPr lang="en-US" sz="2000" dirty="0"/>
               <a:t>As A Scrum Team:</a:t>
+            </a:r>
+          </a:p>
+          <a:p>
+            <a:pPr marL="457200" indent="-457200">
+              <a:buFont typeface="+mj-lt"/>
+              <a:buAutoNum type="arabicPeriod"/>
+            </a:pPr>
+            <a:r>
+              <a:rPr lang="en-US" sz="2000" dirty="0"/>
+              <a:t>Seat Numbers</a:t>
             </a:r>
           </a:p>
           <a:p>
